--- a/Day 8/Slides/8. The Big Picture/8-jquery-getting-started-m8-slides.pptx
+++ b/Day 8/Slides/8. The Big Picture/8-jquery-getting-started-m8-slides.pptx
@@ -5,30 +5,30 @@
     <p:sldMasterId id="2147483648" r:id="rId1"/>
   </p:sldMasterIdLst>
   <p:notesMasterIdLst>
-    <p:notesMasterId r:id="rId4"/>
+    <p:notesMasterId r:id="rId23"/>
   </p:notesMasterIdLst>
   <p:sldIdLst>
-    <p:sldId id="256" r:id="rId3"/>
-    <p:sldId id="257" r:id="rId5"/>
-    <p:sldId id="258" r:id="rId6"/>
-    <p:sldId id="259" r:id="rId7"/>
-    <p:sldId id="260" r:id="rId8"/>
-    <p:sldId id="262" r:id="rId9"/>
-    <p:sldId id="263" r:id="rId10"/>
-    <p:sldId id="264" r:id="rId11"/>
-    <p:sldId id="265" r:id="rId12"/>
-    <p:sldId id="266" r:id="rId13"/>
-    <p:sldId id="267" r:id="rId14"/>
-    <p:sldId id="269" r:id="rId15"/>
-    <p:sldId id="278" r:id="rId16"/>
-    <p:sldId id="279" r:id="rId17"/>
-    <p:sldId id="280" r:id="rId18"/>
-    <p:sldId id="281" r:id="rId19"/>
-    <p:sldId id="268" r:id="rId20"/>
-    <p:sldId id="274" r:id="rId21"/>
-    <p:sldId id="275" r:id="rId22"/>
-    <p:sldId id="276" r:id="rId23"/>
-    <p:sldId id="277" r:id="rId24"/>
+    <p:sldId id="256" r:id="rId2"/>
+    <p:sldId id="257" r:id="rId3"/>
+    <p:sldId id="258" r:id="rId4"/>
+    <p:sldId id="259" r:id="rId5"/>
+    <p:sldId id="260" r:id="rId6"/>
+    <p:sldId id="262" r:id="rId7"/>
+    <p:sldId id="263" r:id="rId8"/>
+    <p:sldId id="264" r:id="rId9"/>
+    <p:sldId id="265" r:id="rId10"/>
+    <p:sldId id="266" r:id="rId11"/>
+    <p:sldId id="267" r:id="rId12"/>
+    <p:sldId id="269" r:id="rId13"/>
+    <p:sldId id="278" r:id="rId14"/>
+    <p:sldId id="279" r:id="rId15"/>
+    <p:sldId id="280" r:id="rId16"/>
+    <p:sldId id="281" r:id="rId17"/>
+    <p:sldId id="268" r:id="rId18"/>
+    <p:sldId id="274" r:id="rId19"/>
+    <p:sldId id="275" r:id="rId20"/>
+    <p:sldId id="276" r:id="rId21"/>
+    <p:sldId id="277" r:id="rId22"/>
   </p:sldIdLst>
   <p:sldSz cx="12192000" cy="6858000"/>
   <p:notesSz cx="12192000" cy="6858000"/>
@@ -124,6 +124,22 @@
       </a:defRPr>
     </a:lvl9pPr>
   </p:defaultTextStyle>
+  <p:extLst>
+    <p:ext uri="{EFAFB233-063F-42B5-8137-9DF3F51BA10A}">
+      <p15:sldGuideLst xmlns:p15="http://schemas.microsoft.com/office/powerpoint/2012/main">
+        <p15:guide id="1" orient="horz" pos="2928">
+          <p15:clr>
+            <a:srgbClr val="A4A3A4"/>
+          </p15:clr>
+        </p15:guide>
+        <p15:guide id="2" pos="2180">
+          <p15:clr>
+            <a:srgbClr val="A4A3A4"/>
+          </p15:clr>
+        </p15:guide>
+      </p15:sldGuideLst>
+    </p:ext>
+  </p:extLst>
 </p:presentation>
 </file>
 
@@ -209,6 +225,7 @@
           <a:p>
             <a:fld id="{3EFD42F7-718C-4B98-AAEC-167E6DDD60A7}" type="datetimeFigureOut">
               <a:rPr lang="en-US" smtClean="0"/>
+              <a:t>8/15/2023</a:t>
             </a:fld>
             <a:endParaRPr lang="en-US"/>
           </a:p>
@@ -272,42 +289,37 @@
           <a:p>
             <a:pPr lvl="0"/>
             <a:r>
-              <a:rPr lang="en-US" smtClean="0"/>
+              <a:rPr lang="en-US"/>
               <a:t>Click to edit Master text styles</a:t>
             </a:r>
-            <a:endParaRPr lang="en-US" smtClean="0"/>
           </a:p>
           <a:p>
             <a:pPr lvl="1"/>
             <a:r>
-              <a:rPr lang="en-US" smtClean="0"/>
+              <a:rPr lang="en-US"/>
               <a:t>Second level</a:t>
             </a:r>
-            <a:endParaRPr lang="en-US" smtClean="0"/>
           </a:p>
           <a:p>
             <a:pPr lvl="2"/>
             <a:r>
-              <a:rPr lang="en-US" smtClean="0"/>
+              <a:rPr lang="en-US"/>
               <a:t>Third level</a:t>
             </a:r>
-            <a:endParaRPr lang="en-US" smtClean="0"/>
           </a:p>
           <a:p>
             <a:pPr lvl="3"/>
             <a:r>
-              <a:rPr lang="en-US" smtClean="0"/>
+              <a:rPr lang="en-US"/>
               <a:t>Fourth level</a:t>
             </a:r>
-            <a:endParaRPr lang="en-US" smtClean="0"/>
           </a:p>
           <a:p>
             <a:pPr lvl="4"/>
             <a:r>
-              <a:rPr lang="en-US" smtClean="0"/>
+              <a:rPr lang="en-US"/>
               <a:t>Fifth level</a:t>
             </a:r>
-            <a:endParaRPr lang="en-US"/>
           </a:p>
         </p:txBody>
       </p:sp>
@@ -371,6 +383,7 @@
           <a:p>
             <a:fld id="{21B2AA4F-B828-4D7C-AFD3-893933DAFCB4}" type="slidenum">
               <a:rPr lang="en-US" smtClean="0"/>
+              <a:t>‹#›</a:t>
             </a:fld>
             <a:endParaRPr lang="en-US"/>
           </a:p>
@@ -479,7 +492,7 @@
   <p:cSld>
     <p:spTree>
       <p:nvGrpSpPr>
-        <p:cNvPr id="2" name=""/>
+        <p:cNvPr id="1" name=""/>
         <p:cNvGrpSpPr/>
         <p:nvPr/>
       </p:nvGrpSpPr>
@@ -493,7 +506,7 @@
       </p:grpSpPr>
       <p:sp>
         <p:nvSpPr>
-          <p:cNvPr id="1" name="Notes Placeholder"/>
+          <p:cNvPr id="2" name="Notes Placeholder"/>
           <p:cNvSpPr>
             <a:spLocks noGrp="1"/>
           </p:cNvSpPr>
@@ -507,7 +520,9 @@
             <a:normAutofit/>
           </a:bodyPr>
           <a:lstStyle/>
-          <a:p/>
+          <a:p>
+            <a:endParaRPr/>
+          </a:p>
         </p:txBody>
       </p:sp>
     </p:spTree>
@@ -523,7 +538,7 @@
   <p:cSld>
     <p:spTree>
       <p:nvGrpSpPr>
-        <p:cNvPr id="2" name=""/>
+        <p:cNvPr id="1" name=""/>
         <p:cNvGrpSpPr/>
         <p:nvPr/>
       </p:nvGrpSpPr>
@@ -537,7 +552,7 @@
       </p:grpSpPr>
       <p:sp>
         <p:nvSpPr>
-          <p:cNvPr id="1" name="Notes Placeholder"/>
+          <p:cNvPr id="2" name="Notes Placeholder"/>
           <p:cNvSpPr>
             <a:spLocks noGrp="1"/>
           </p:cNvSpPr>
@@ -551,7 +566,9 @@
             <a:normAutofit/>
           </a:bodyPr>
           <a:lstStyle/>
-          <a:p/>
+          <a:p>
+            <a:endParaRPr/>
+          </a:p>
         </p:txBody>
       </p:sp>
     </p:spTree>
@@ -567,7 +584,7 @@
   <p:cSld>
     <p:spTree>
       <p:nvGrpSpPr>
-        <p:cNvPr id="2" name=""/>
+        <p:cNvPr id="1" name=""/>
         <p:cNvGrpSpPr/>
         <p:nvPr/>
       </p:nvGrpSpPr>
@@ -581,7 +598,7 @@
       </p:grpSpPr>
       <p:sp>
         <p:nvSpPr>
-          <p:cNvPr id="1" name="Notes Placeholder"/>
+          <p:cNvPr id="2" name="Notes Placeholder"/>
           <p:cNvSpPr>
             <a:spLocks noGrp="1"/>
           </p:cNvSpPr>
@@ -595,7 +612,9 @@
             <a:normAutofit/>
           </a:bodyPr>
           <a:lstStyle/>
-          <a:p/>
+          <a:p>
+            <a:endParaRPr/>
+          </a:p>
         </p:txBody>
       </p:sp>
     </p:spTree>
@@ -611,7 +630,7 @@
   <p:cSld>
     <p:spTree>
       <p:nvGrpSpPr>
-        <p:cNvPr id="2" name=""/>
+        <p:cNvPr id="1" name=""/>
         <p:cNvGrpSpPr/>
         <p:nvPr/>
       </p:nvGrpSpPr>
@@ -625,7 +644,7 @@
       </p:grpSpPr>
       <p:sp>
         <p:nvSpPr>
-          <p:cNvPr id="1" name="Notes Placeholder"/>
+          <p:cNvPr id="2" name="Notes Placeholder"/>
           <p:cNvSpPr>
             <a:spLocks noGrp="1"/>
           </p:cNvSpPr>
@@ -639,7 +658,9 @@
             <a:normAutofit/>
           </a:bodyPr>
           <a:lstStyle/>
-          <a:p/>
+          <a:p>
+            <a:endParaRPr/>
+          </a:p>
         </p:txBody>
       </p:sp>
     </p:spTree>
@@ -655,7 +676,7 @@
   <p:cSld>
     <p:spTree>
       <p:nvGrpSpPr>
-        <p:cNvPr id="2" name=""/>
+        <p:cNvPr id="1" name=""/>
         <p:cNvGrpSpPr/>
         <p:nvPr/>
       </p:nvGrpSpPr>
@@ -669,7 +690,7 @@
       </p:grpSpPr>
       <p:sp>
         <p:nvSpPr>
-          <p:cNvPr id="1" name="Notes Placeholder"/>
+          <p:cNvPr id="2" name="Notes Placeholder"/>
           <p:cNvSpPr>
             <a:spLocks noGrp="1"/>
           </p:cNvSpPr>
@@ -683,7 +704,9 @@
             <a:normAutofit/>
           </a:bodyPr>
           <a:lstStyle/>
-          <a:p/>
+          <a:p>
+            <a:endParaRPr/>
+          </a:p>
         </p:txBody>
       </p:sp>
     </p:spTree>
@@ -699,7 +722,7 @@
   <p:cSld>
     <p:spTree>
       <p:nvGrpSpPr>
-        <p:cNvPr id="2" name=""/>
+        <p:cNvPr id="1" name=""/>
         <p:cNvGrpSpPr/>
         <p:nvPr/>
       </p:nvGrpSpPr>
@@ -713,7 +736,7 @@
       </p:grpSpPr>
       <p:sp>
         <p:nvSpPr>
-          <p:cNvPr id="1" name="Notes Placeholder"/>
+          <p:cNvPr id="2" name="Notes Placeholder"/>
           <p:cNvSpPr>
             <a:spLocks noGrp="1"/>
           </p:cNvSpPr>
@@ -727,7 +750,9 @@
             <a:normAutofit/>
           </a:bodyPr>
           <a:lstStyle/>
-          <a:p/>
+          <a:p>
+            <a:endParaRPr/>
+          </a:p>
         </p:txBody>
       </p:sp>
     </p:spTree>
@@ -743,7 +768,7 @@
   <p:cSld>
     <p:spTree>
       <p:nvGrpSpPr>
-        <p:cNvPr id="2" name=""/>
+        <p:cNvPr id="1" name=""/>
         <p:cNvGrpSpPr/>
         <p:nvPr/>
       </p:nvGrpSpPr>
@@ -757,7 +782,7 @@
       </p:grpSpPr>
       <p:sp>
         <p:nvSpPr>
-          <p:cNvPr id="1" name="Notes Placeholder"/>
+          <p:cNvPr id="2" name="Notes Placeholder"/>
           <p:cNvSpPr>
             <a:spLocks noGrp="1"/>
           </p:cNvSpPr>
@@ -771,7 +796,9 @@
             <a:normAutofit/>
           </a:bodyPr>
           <a:lstStyle/>
-          <a:p/>
+          <a:p>
+            <a:endParaRPr/>
+          </a:p>
         </p:txBody>
       </p:sp>
     </p:spTree>
@@ -787,7 +814,7 @@
   <p:cSld>
     <p:spTree>
       <p:nvGrpSpPr>
-        <p:cNvPr id="2" name=""/>
+        <p:cNvPr id="1" name=""/>
         <p:cNvGrpSpPr/>
         <p:nvPr/>
       </p:nvGrpSpPr>
@@ -801,7 +828,7 @@
       </p:grpSpPr>
       <p:sp>
         <p:nvSpPr>
-          <p:cNvPr id="1" name="Notes Placeholder"/>
+          <p:cNvPr id="2" name="Notes Placeholder"/>
           <p:cNvSpPr>
             <a:spLocks noGrp="1"/>
           </p:cNvSpPr>
@@ -815,7 +842,9 @@
             <a:normAutofit/>
           </a:bodyPr>
           <a:lstStyle/>
-          <a:p/>
+          <a:p>
+            <a:endParaRPr/>
+          </a:p>
         </p:txBody>
       </p:sp>
     </p:spTree>
@@ -831,7 +860,7 @@
   <p:cSld>
     <p:spTree>
       <p:nvGrpSpPr>
-        <p:cNvPr id="2" name=""/>
+        <p:cNvPr id="1" name=""/>
         <p:cNvGrpSpPr/>
         <p:nvPr/>
       </p:nvGrpSpPr>
@@ -845,7 +874,7 @@
       </p:grpSpPr>
       <p:sp>
         <p:nvSpPr>
-          <p:cNvPr id="1" name="Notes Placeholder"/>
+          <p:cNvPr id="2" name="Notes Placeholder"/>
           <p:cNvSpPr>
             <a:spLocks noGrp="1"/>
           </p:cNvSpPr>
@@ -859,7 +888,9 @@
             <a:normAutofit/>
           </a:bodyPr>
           <a:lstStyle/>
-          <a:p/>
+          <a:p>
+            <a:endParaRPr/>
+          </a:p>
         </p:txBody>
       </p:sp>
     </p:spTree>
@@ -875,7 +906,7 @@
   <p:cSld>
     <p:spTree>
       <p:nvGrpSpPr>
-        <p:cNvPr id="2" name=""/>
+        <p:cNvPr id="1" name=""/>
         <p:cNvGrpSpPr/>
         <p:nvPr/>
       </p:nvGrpSpPr>
@@ -889,7 +920,7 @@
       </p:grpSpPr>
       <p:sp>
         <p:nvSpPr>
-          <p:cNvPr id="1" name="Notes Placeholder"/>
+          <p:cNvPr id="2" name="Notes Placeholder"/>
           <p:cNvSpPr>
             <a:spLocks noGrp="1"/>
           </p:cNvSpPr>
@@ -903,7 +934,9 @@
             <a:normAutofit/>
           </a:bodyPr>
           <a:lstStyle/>
-          <a:p/>
+          <a:p>
+            <a:endParaRPr/>
+          </a:p>
         </p:txBody>
       </p:sp>
     </p:spTree>
@@ -919,7 +952,7 @@
   <p:cSld>
     <p:spTree>
       <p:nvGrpSpPr>
-        <p:cNvPr id="2" name=""/>
+        <p:cNvPr id="1" name=""/>
         <p:cNvGrpSpPr/>
         <p:nvPr/>
       </p:nvGrpSpPr>
@@ -933,7 +966,7 @@
       </p:grpSpPr>
       <p:sp>
         <p:nvSpPr>
-          <p:cNvPr id="1" name="Notes Placeholder"/>
+          <p:cNvPr id="2" name="Notes Placeholder"/>
           <p:cNvSpPr>
             <a:spLocks noGrp="1"/>
           </p:cNvSpPr>
@@ -947,7 +980,9 @@
             <a:normAutofit/>
           </a:bodyPr>
           <a:lstStyle/>
-          <a:p/>
+          <a:p>
+            <a:endParaRPr/>
+          </a:p>
         </p:txBody>
       </p:sp>
     </p:spTree>
@@ -963,7 +998,7 @@
   <p:cSld>
     <p:spTree>
       <p:nvGrpSpPr>
-        <p:cNvPr id="2" name=""/>
+        <p:cNvPr id="1" name=""/>
         <p:cNvGrpSpPr/>
         <p:nvPr/>
       </p:nvGrpSpPr>
@@ -977,7 +1012,7 @@
       </p:grpSpPr>
       <p:sp>
         <p:nvSpPr>
-          <p:cNvPr id="1" name="Notes Placeholder"/>
+          <p:cNvPr id="2" name="Notes Placeholder"/>
           <p:cNvSpPr>
             <a:spLocks noGrp="1"/>
           </p:cNvSpPr>
@@ -991,7 +1026,9 @@
             <a:normAutofit/>
           </a:bodyPr>
           <a:lstStyle/>
-          <a:p/>
+          <a:p>
+            <a:endParaRPr/>
+          </a:p>
         </p:txBody>
       </p:sp>
     </p:spTree>
@@ -1007,7 +1044,7 @@
   <p:cSld>
     <p:spTree>
       <p:nvGrpSpPr>
-        <p:cNvPr id="2" name=""/>
+        <p:cNvPr id="1" name=""/>
         <p:cNvGrpSpPr/>
         <p:nvPr/>
       </p:nvGrpSpPr>
@@ -1021,7 +1058,7 @@
       </p:grpSpPr>
       <p:sp>
         <p:nvSpPr>
-          <p:cNvPr id="1" name="Notes Placeholder"/>
+          <p:cNvPr id="2" name="Notes Placeholder"/>
           <p:cNvSpPr>
             <a:spLocks noGrp="1"/>
           </p:cNvSpPr>
@@ -1035,7 +1072,9 @@
             <a:normAutofit/>
           </a:bodyPr>
           <a:lstStyle/>
-          <a:p/>
+          <a:p>
+            <a:endParaRPr/>
+          </a:p>
         </p:txBody>
       </p:sp>
     </p:spTree>
@@ -1051,7 +1090,7 @@
   <p:cSld>
     <p:spTree>
       <p:nvGrpSpPr>
-        <p:cNvPr id="2" name=""/>
+        <p:cNvPr id="1" name=""/>
         <p:cNvGrpSpPr/>
         <p:nvPr/>
       </p:nvGrpSpPr>
@@ -1065,7 +1104,7 @@
       </p:grpSpPr>
       <p:sp>
         <p:nvSpPr>
-          <p:cNvPr id="1" name="Notes Placeholder"/>
+          <p:cNvPr id="2" name="Notes Placeholder"/>
           <p:cNvSpPr>
             <a:spLocks noGrp="1"/>
           </p:cNvSpPr>
@@ -1079,7 +1118,9 @@
             <a:normAutofit/>
           </a:bodyPr>
           <a:lstStyle/>
-          <a:p/>
+          <a:p>
+            <a:endParaRPr/>
+          </a:p>
         </p:txBody>
       </p:sp>
     </p:spTree>
@@ -1095,7 +1136,7 @@
   <p:cSld>
     <p:spTree>
       <p:nvGrpSpPr>
-        <p:cNvPr id="2" name=""/>
+        <p:cNvPr id="1" name=""/>
         <p:cNvGrpSpPr/>
         <p:nvPr/>
       </p:nvGrpSpPr>
@@ -1109,7 +1150,7 @@
       </p:grpSpPr>
       <p:sp>
         <p:nvSpPr>
-          <p:cNvPr id="1" name="Notes Placeholder"/>
+          <p:cNvPr id="2" name="Notes Placeholder"/>
           <p:cNvSpPr>
             <a:spLocks noGrp="1"/>
           </p:cNvSpPr>
@@ -1123,7 +1164,9 @@
             <a:normAutofit/>
           </a:bodyPr>
           <a:lstStyle/>
-          <a:p/>
+          <a:p>
+            <a:endParaRPr/>
+          </a:p>
         </p:txBody>
       </p:sp>
     </p:spTree>
@@ -1139,7 +1182,7 @@
   <p:cSld>
     <p:spTree>
       <p:nvGrpSpPr>
-        <p:cNvPr id="2" name=""/>
+        <p:cNvPr id="1" name=""/>
         <p:cNvGrpSpPr/>
         <p:nvPr/>
       </p:nvGrpSpPr>
@@ -1153,7 +1196,7 @@
       </p:grpSpPr>
       <p:sp>
         <p:nvSpPr>
-          <p:cNvPr id="1" name="Notes Placeholder"/>
+          <p:cNvPr id="2" name="Notes Placeholder"/>
           <p:cNvSpPr>
             <a:spLocks noGrp="1"/>
           </p:cNvSpPr>
@@ -1167,7 +1210,9 @@
             <a:normAutofit/>
           </a:bodyPr>
           <a:lstStyle/>
-          <a:p/>
+          <a:p>
+            <a:endParaRPr/>
+          </a:p>
         </p:txBody>
       </p:sp>
     </p:spTree>
@@ -1183,7 +1228,7 @@
   <p:cSld>
     <p:spTree>
       <p:nvGrpSpPr>
-        <p:cNvPr id="2" name=""/>
+        <p:cNvPr id="1" name=""/>
         <p:cNvGrpSpPr/>
         <p:nvPr/>
       </p:nvGrpSpPr>
@@ -1197,7 +1242,7 @@
       </p:grpSpPr>
       <p:sp>
         <p:nvSpPr>
-          <p:cNvPr id="1" name="Notes Placeholder"/>
+          <p:cNvPr id="2" name="Notes Placeholder"/>
           <p:cNvSpPr>
             <a:spLocks noGrp="1"/>
           </p:cNvSpPr>
@@ -1211,7 +1256,9 @@
             <a:normAutofit/>
           </a:bodyPr>
           <a:lstStyle/>
-          <a:p/>
+          <a:p>
+            <a:endParaRPr/>
+          </a:p>
         </p:txBody>
       </p:sp>
     </p:spTree>
@@ -1273,7 +1320,9 @@
               </a:defRPr>
             </a:lvl1pPr>
           </a:lstStyle>
-          <a:p/>
+          <a:p>
+            <a:endParaRPr/>
+          </a:p>
         </p:txBody>
       </p:sp>
       <p:sp>
@@ -1304,7 +1353,9 @@
               <a:defRPr/>
             </a:lvl1pPr>
           </a:lstStyle>
-          <a:p/>
+          <a:p>
+            <a:endParaRPr/>
+          </a:p>
         </p:txBody>
       </p:sp>
       <p:sp>
@@ -1331,7 +1382,9 @@
               </a:defRPr>
             </a:lvl1pPr>
           </a:lstStyle>
-          <a:p/>
+          <a:p>
+            <a:endParaRPr/>
+          </a:p>
         </p:txBody>
       </p:sp>
       <p:sp>
@@ -1361,6 +1414,7 @@
           <a:p>
             <a:fld id="{1D8BD707-D9CF-40AE-B4C6-C98DA3205C09}" type="datetimeFigureOut">
               <a:rPr lang="en-US"/>
+              <a:t>8/15/2023</a:t>
             </a:fld>
             <a:endParaRPr lang="en-US"/>
           </a:p>
@@ -1393,6 +1447,7 @@
           <a:p>
             <a:fld id="{B6F15528-21DE-4FAA-801E-634DDDAF4B2B}" type="slidenum">
               <a:rPr/>
+              <a:t>‹#›</a:t>
             </a:fld>
             <a:endParaRPr/>
           </a:p>
@@ -1448,7 +1503,9 @@
               </a:defRPr>
             </a:lvl1pPr>
           </a:lstStyle>
-          <a:p/>
+          <a:p>
+            <a:endParaRPr/>
+          </a:p>
         </p:txBody>
       </p:sp>
       <p:sp>
@@ -1475,7 +1532,9 @@
               </a:defRPr>
             </a:lvl1pPr>
           </a:lstStyle>
-          <a:p/>
+          <a:p>
+            <a:endParaRPr/>
+          </a:p>
         </p:txBody>
       </p:sp>
       <p:sp>
@@ -1502,7 +1561,9 @@
               </a:defRPr>
             </a:lvl1pPr>
           </a:lstStyle>
-          <a:p/>
+          <a:p>
+            <a:endParaRPr/>
+          </a:p>
         </p:txBody>
       </p:sp>
       <p:sp>
@@ -1532,6 +1593,7 @@
           <a:p>
             <a:fld id="{1D8BD707-D9CF-40AE-B4C6-C98DA3205C09}" type="datetimeFigureOut">
               <a:rPr lang="en-US"/>
+              <a:t>8/15/2023</a:t>
             </a:fld>
             <a:endParaRPr lang="en-US"/>
           </a:p>
@@ -1564,6 +1626,7 @@
           <a:p>
             <a:fld id="{B6F15528-21DE-4FAA-801E-634DDDAF4B2B}" type="slidenum">
               <a:rPr/>
+              <a:t>‹#›</a:t>
             </a:fld>
             <a:endParaRPr/>
           </a:p>
@@ -1619,7 +1682,9 @@
               </a:defRPr>
             </a:lvl1pPr>
           </a:lstStyle>
-          <a:p/>
+          <a:p>
+            <a:endParaRPr/>
+          </a:p>
         </p:txBody>
       </p:sp>
       <p:sp>
@@ -1650,7 +1715,9 @@
               <a:defRPr/>
             </a:lvl1pPr>
           </a:lstStyle>
-          <a:p/>
+          <a:p>
+            <a:endParaRPr/>
+          </a:p>
         </p:txBody>
       </p:sp>
       <p:sp>
@@ -1681,7 +1748,9 @@
               <a:defRPr/>
             </a:lvl1pPr>
           </a:lstStyle>
-          <a:p/>
+          <a:p>
+            <a:endParaRPr/>
+          </a:p>
         </p:txBody>
       </p:sp>
       <p:sp>
@@ -1708,7 +1777,9 @@
               </a:defRPr>
             </a:lvl1pPr>
           </a:lstStyle>
-          <a:p/>
+          <a:p>
+            <a:endParaRPr/>
+          </a:p>
         </p:txBody>
       </p:sp>
       <p:sp>
@@ -1738,6 +1809,7 @@
           <a:p>
             <a:fld id="{1D8BD707-D9CF-40AE-B4C6-C98DA3205C09}" type="datetimeFigureOut">
               <a:rPr lang="en-US"/>
+              <a:t>8/15/2023</a:t>
             </a:fld>
             <a:endParaRPr lang="en-US"/>
           </a:p>
@@ -1770,6 +1842,7 @@
           <a:p>
             <a:fld id="{B6F15528-21DE-4FAA-801E-634DDDAF4B2B}" type="slidenum">
               <a:rPr/>
+              <a:t>‹#›</a:t>
             </a:fld>
             <a:endParaRPr/>
           </a:p>
@@ -1825,7 +1898,9 @@
               </a:defRPr>
             </a:lvl1pPr>
           </a:lstStyle>
-          <a:p/>
+          <a:p>
+            <a:endParaRPr/>
+          </a:p>
         </p:txBody>
       </p:sp>
       <p:sp>
@@ -1852,7 +1927,9 @@
               </a:defRPr>
             </a:lvl1pPr>
           </a:lstStyle>
-          <a:p/>
+          <a:p>
+            <a:endParaRPr/>
+          </a:p>
         </p:txBody>
       </p:sp>
       <p:sp>
@@ -1882,6 +1959,7 @@
           <a:p>
             <a:fld id="{1D8BD707-D9CF-40AE-B4C6-C98DA3205C09}" type="datetimeFigureOut">
               <a:rPr lang="en-US"/>
+              <a:t>8/15/2023</a:t>
             </a:fld>
             <a:endParaRPr lang="en-US"/>
           </a:p>
@@ -1914,6 +1992,7 @@
           <a:p>
             <a:fld id="{B6F15528-21DE-4FAA-801E-634DDDAF4B2B}" type="slidenum">
               <a:rPr/>
+              <a:t>‹#›</a:t>
             </a:fld>
             <a:endParaRPr/>
           </a:p>
@@ -1969,7 +2048,9 @@
               </a:defRPr>
             </a:lvl1pPr>
           </a:lstStyle>
-          <a:p/>
+          <a:p>
+            <a:endParaRPr/>
+          </a:p>
         </p:txBody>
       </p:sp>
       <p:sp>
@@ -1999,6 +2080,7 @@
           <a:p>
             <a:fld id="{1D8BD707-D9CF-40AE-B4C6-C98DA3205C09}" type="datetimeFigureOut">
               <a:rPr lang="en-US"/>
+              <a:t>8/15/2023</a:t>
             </a:fld>
             <a:endParaRPr lang="en-US"/>
           </a:p>
@@ -2031,6 +2113,7 @@
           <a:p>
             <a:fld id="{B6F15528-21DE-4FAA-801E-634DDDAF4B2B}" type="slidenum">
               <a:rPr/>
+              <a:t>‹#›</a:t>
             </a:fld>
             <a:endParaRPr/>
           </a:p>
@@ -2077,7 +2160,7 @@
           <p:nvPr/>
         </p:nvPicPr>
         <p:blipFill>
-          <a:blip r:embed="rId6" cstate="print"/>
+          <a:blip r:embed="rId7" cstate="print"/>
           <a:srcRect b="6280"/>
           <a:stretch>
             <a:fillRect/>
@@ -2127,7 +2210,9 @@
               </a:defRPr>
             </a:lvl1pPr>
           </a:lstStyle>
-          <a:p/>
+          <a:p>
+            <a:endParaRPr/>
+          </a:p>
         </p:txBody>
       </p:sp>
       <p:sp>
@@ -2164,7 +2249,9 @@
               </a:defRPr>
             </a:lvl1pPr>
           </a:lstStyle>
-          <a:p/>
+          <a:p>
+            <a:endParaRPr/>
+          </a:p>
         </p:txBody>
       </p:sp>
       <p:sp>
@@ -2201,7 +2288,9 @@
               </a:defRPr>
             </a:lvl1pPr>
           </a:lstStyle>
-          <a:p/>
+          <a:p>
+            <a:endParaRPr/>
+          </a:p>
         </p:txBody>
       </p:sp>
       <p:sp>
@@ -2241,6 +2330,7 @@
           <a:p>
             <a:fld id="{1D8BD707-D9CF-40AE-B4C6-C98DA3205C09}" type="datetimeFigureOut">
               <a:rPr lang="en-US"/>
+              <a:t>8/15/2023</a:t>
             </a:fld>
             <a:endParaRPr lang="en-US"/>
           </a:p>
@@ -2283,6 +2373,7 @@
           <a:p>
             <a:fld id="{B6F15528-21DE-4FAA-801E-634DDDAF4B2B}" type="slidenum">
               <a:rPr/>
+              <a:t>‹#›</a:t>
             </a:fld>
             <a:endParaRPr/>
           </a:p>
@@ -2497,7 +2588,9 @@
         <p:txBody>
           <a:bodyPr wrap="square" lIns="0" tIns="0" rIns="0" bIns="0" rtlCol="0"/>
           <a:lstStyle/>
-          <a:p/>
+          <a:p>
+            <a:endParaRPr/>
+          </a:p>
         </p:txBody>
       </p:sp>
       <p:sp>
@@ -2585,7 +2678,6 @@
               <a:rPr spc="-195" dirty="0"/>
               <a:t>e</a:t>
             </a:r>
-            <a:endParaRPr spc="-195" dirty="0"/>
           </a:p>
         </p:txBody>
       </p:sp>
@@ -2602,9 +2694,11 @@
         <p:spPr/>
         <p:txBody>
           <a:bodyPr/>
+          <a:lstStyle/>
           <a:p>
             <a:fld id="{B6F15528-21DE-4FAA-801E-634DDDAF4B2B}" type="slidenum">
               <a:rPr/>
+              <a:t>1</a:t>
             </a:fld>
             <a:endParaRPr/>
           </a:p>
@@ -2645,7 +2739,7 @@
           <p:nvPr/>
         </p:nvPicPr>
         <p:blipFill>
-          <a:blip r:embed="rId1" cstate="print"/>
+          <a:blip r:embed="rId3" cstate="print"/>
           <a:stretch>
             <a:fillRect/>
           </a:stretch>
@@ -2681,7 +2775,7 @@
             <p:nvPr/>
           </p:nvPicPr>
           <p:blipFill>
-            <a:blip r:embed="rId2" cstate="print"/>
+            <a:blip r:embed="rId4" cstate="print"/>
             <a:stretch>
               <a:fillRect/>
             </a:stretch>
@@ -2741,7 +2835,9 @@
           <p:txBody>
             <a:bodyPr wrap="square" lIns="0" tIns="0" rIns="0" bIns="0" rtlCol="0"/>
             <a:lstStyle/>
-            <a:p/>
+            <a:p>
+              <a:endParaRPr/>
+            </a:p>
           </p:txBody>
         </p:sp>
         <p:pic>
@@ -2751,7 +2847,7 @@
             <p:nvPr/>
           </p:nvPicPr>
           <p:blipFill>
-            <a:blip r:embed="rId3" cstate="print"/>
+            <a:blip r:embed="rId5" cstate="print"/>
             <a:stretch>
               <a:fillRect/>
             </a:stretch>
@@ -2928,7 +3024,6 @@
               <a:rPr spc="-235" dirty="0"/>
               <a:t>er</a:t>
             </a:r>
-            <a:endParaRPr spc="-235" dirty="0"/>
           </a:p>
         </p:txBody>
       </p:sp>
@@ -2991,7 +3086,9 @@
           <p:txBody>
             <a:bodyPr wrap="square" lIns="0" tIns="0" rIns="0" bIns="0" rtlCol="0"/>
             <a:lstStyle/>
-            <a:p/>
+            <a:p>
+              <a:endParaRPr/>
+            </a:p>
           </p:txBody>
         </p:sp>
         <p:pic>
@@ -3001,7 +3098,7 @@
             <p:nvPr/>
           </p:nvPicPr>
           <p:blipFill>
-            <a:blip r:embed="rId4" cstate="print"/>
+            <a:blip r:embed="rId6" cstate="print"/>
             <a:stretch>
               <a:fillRect/>
             </a:stretch>
@@ -3030,9 +3127,11 @@
         <p:spPr/>
         <p:txBody>
           <a:bodyPr/>
+          <a:lstStyle/>
           <a:p>
             <a:fld id="{B6F15528-21DE-4FAA-801E-634DDDAF4B2B}" type="slidenum">
               <a:rPr/>
+              <a:t>10</a:t>
             </a:fld>
             <a:endParaRPr/>
           </a:p>
@@ -3073,7 +3172,7 @@
           <p:nvPr/>
         </p:nvPicPr>
         <p:blipFill>
-          <a:blip r:embed="rId1" cstate="print"/>
+          <a:blip r:embed="rId3" cstate="print"/>
           <a:stretch>
             <a:fillRect/>
           </a:stretch>
@@ -3213,7 +3312,6 @@
               <a:rPr spc="-290" dirty="0"/>
               <a:t>t</a:t>
             </a:r>
-            <a:endParaRPr spc="-290" dirty="0"/>
           </a:p>
         </p:txBody>
       </p:sp>
@@ -3230,9 +3328,11 @@
         <p:spPr/>
         <p:txBody>
           <a:bodyPr/>
+          <a:lstStyle/>
           <a:p>
             <a:fld id="{B6F15528-21DE-4FAA-801E-634DDDAF4B2B}" type="slidenum">
               <a:rPr/>
+              <a:t>11</a:t>
             </a:fld>
             <a:endParaRPr/>
           </a:p>
@@ -3287,7 +3387,7 @@
             <p:nvPr/>
           </p:nvPicPr>
           <p:blipFill>
-            <a:blip r:embed="rId1" cstate="print"/>
+            <a:blip r:embed="rId3" cstate="print"/>
             <a:srcRect b="6231"/>
             <a:stretch>
               <a:fillRect/>
@@ -3672,7 +3772,9 @@
           <p:txBody>
             <a:bodyPr wrap="square" lIns="0" tIns="0" rIns="0" bIns="0" rtlCol="0"/>
             <a:lstStyle/>
-            <a:p/>
+            <a:p>
+              <a:endParaRPr/>
+            </a:p>
           </p:txBody>
         </p:sp>
         <p:sp>
@@ -3876,7 +3978,9 @@
           <p:txBody>
             <a:bodyPr wrap="square" lIns="0" tIns="0" rIns="0" bIns="0" rtlCol="0"/>
             <a:lstStyle/>
-            <a:p/>
+            <a:p>
+              <a:endParaRPr/>
+            </a:p>
           </p:txBody>
         </p:sp>
       </p:grpSp>
@@ -4089,9 +4193,11 @@
         <p:spPr/>
         <p:txBody>
           <a:bodyPr/>
+          <a:lstStyle/>
           <a:p>
             <a:fld id="{B6F15528-21DE-4FAA-801E-634DDDAF4B2B}" type="slidenum">
               <a:rPr/>
+              <a:t>12</a:t>
             </a:fld>
             <a:endParaRPr/>
           </a:p>
@@ -4117,7 +4223,14 @@
         <p:cNvGrpSpPr/>
         <p:nvPr/>
       </p:nvGrpSpPr>
-      <p:grpSpPr/>
+      <p:grpSpPr>
+        <a:xfrm>
+          <a:off x="0" y="0"/>
+          <a:ext cx="0" cy="0"/>
+          <a:chOff x="0" y="0"/>
+          <a:chExt cx="0" cy="0"/>
+        </a:xfrm>
+      </p:grpSpPr>
       <p:sp>
         <p:nvSpPr>
           <p:cNvPr id="6" name="Title 5"/>
@@ -4131,6 +4244,7 @@
         <p:spPr/>
         <p:txBody>
           <a:bodyPr/>
+          <a:lstStyle/>
           <a:p>
             <a:endParaRPr lang="en-US"/>
           </a:p>
@@ -4149,9 +4263,11 @@
         <p:spPr/>
         <p:txBody>
           <a:bodyPr/>
+          <a:lstStyle/>
           <a:p>
             <a:fld id="{B6F15528-21DE-4FAA-801E-634DDDAF4B2B}" type="slidenum">
               <a:rPr/>
+              <a:t>13</a:t>
             </a:fld>
             <a:endParaRPr/>
           </a:p>
@@ -4170,6 +4286,7 @@
         <p:spPr/>
         <p:txBody>
           <a:bodyPr/>
+          <a:lstStyle/>
           <a:p>
             <a:endParaRPr lang="en-US"/>
           </a:p>
@@ -4179,7 +4296,7 @@
         <p:nvGraphicFramePr>
           <p:cNvPr id="16" name="Content Placeholder 15"/>
           <p:cNvGraphicFramePr>
-            <a:graphicFrameLocks noChangeAspect="1"/>
+            <a:graphicFrameLocks noGrp="1" noChangeAspect="1"/>
           </p:cNvGraphicFramePr>
           <p:nvPr>
             <p:ph sz="half" idx="2"/>
@@ -4193,12 +4310,12 @@
           <a:graphicData uri="http://schemas.openxmlformats.org/presentationml/2006/ole">
             <mc:AlternateContent xmlns:mc="http://schemas.openxmlformats.org/markup-compatibility/2006">
               <mc:Choice xmlns:v="urn:schemas-microsoft-com:vml" Requires="v">
-                <p:oleObj spid="_x0000_s17" name="" r:id="rId1" imgW="10515600" imgH="5229225" progId="Paint.Picture">
+                <p:oleObj r:id="rId2" imgW="10515600" imgH="5229225" progId="Paint.Picture">
                   <p:embed/>
                 </p:oleObj>
               </mc:Choice>
               <mc:Fallback>
-                <p:oleObj name="" r:id="rId1" imgW="10515600" imgH="5229225" progId="Paint.Picture">
+                <p:oleObj r:id="rId2" imgW="10515600" imgH="5229225" progId="Paint.Picture">
                   <p:embed/>
                   <p:pic>
                     <p:nvPicPr>
@@ -4207,7 +4324,7 @@
                       <p:nvPr/>
                     </p:nvPicPr>
                     <p:blipFill>
-                      <a:blip r:embed="rId2"/>
+                      <a:blip r:embed="rId3"/>
                       <a:stretch>
                         <a:fillRect/>
                       </a:stretch>
@@ -4245,7 +4362,14 @@
         <p:cNvGrpSpPr/>
         <p:nvPr/>
       </p:nvGrpSpPr>
-      <p:grpSpPr/>
+      <p:grpSpPr>
+        <a:xfrm>
+          <a:off x="0" y="0"/>
+          <a:ext cx="0" cy="0"/>
+          <a:chOff x="0" y="0"/>
+          <a:chExt cx="0" cy="0"/>
+        </a:xfrm>
+      </p:grpSpPr>
       <p:sp>
         <p:nvSpPr>
           <p:cNvPr id="6" name="Title 5"/>
@@ -4259,6 +4383,7 @@
         <p:spPr/>
         <p:txBody>
           <a:bodyPr/>
+          <a:lstStyle/>
           <a:p>
             <a:endParaRPr lang="en-US"/>
           </a:p>
@@ -4277,9 +4402,11 @@
         <p:spPr/>
         <p:txBody>
           <a:bodyPr/>
+          <a:lstStyle/>
           <a:p>
             <a:fld id="{B6F15528-21DE-4FAA-801E-634DDDAF4B2B}" type="slidenum">
               <a:rPr/>
+              <a:t>14</a:t>
             </a:fld>
             <a:endParaRPr/>
           </a:p>
@@ -4289,7 +4416,7 @@
         <p:nvGraphicFramePr>
           <p:cNvPr id="16" name="Content Placeholder 15"/>
           <p:cNvGraphicFramePr>
-            <a:graphicFrameLocks noChangeAspect="1"/>
+            <a:graphicFrameLocks noGrp="1" noChangeAspect="1"/>
           </p:cNvGraphicFramePr>
           <p:nvPr>
             <p:ph sz="half" idx="2"/>
@@ -4303,12 +4430,12 @@
           <a:graphicData uri="http://schemas.openxmlformats.org/presentationml/2006/ole">
             <mc:AlternateContent xmlns:mc="http://schemas.openxmlformats.org/markup-compatibility/2006">
               <mc:Choice xmlns:v="urn:schemas-microsoft-com:vml" Requires="v">
-                <p:oleObj spid="_x0000_s17" name="" r:id="rId1" imgW="10515600" imgH="5229225" progId="Paint.Picture">
+                <p:oleObj r:id="rId2" imgW="10515600" imgH="5229225" progId="Paint.Picture">
                   <p:embed/>
                 </p:oleObj>
               </mc:Choice>
               <mc:Fallback>
-                <p:oleObj name="" r:id="rId1" imgW="10515600" imgH="5229225" progId="Paint.Picture">
+                <p:oleObj r:id="rId2" imgW="10515600" imgH="5229225" progId="Paint.Picture">
                   <p:embed/>
                   <p:pic>
                     <p:nvPicPr>
@@ -4317,7 +4444,7 @@
                       <p:nvPr/>
                     </p:nvPicPr>
                     <p:blipFill>
-                      <a:blip r:embed="rId2"/>
+                      <a:blip r:embed="rId3"/>
                       <a:stretch>
                         <a:fillRect/>
                       </a:stretch>
@@ -4342,14 +4469,14 @@
         <p:nvPicPr>
           <p:cNvPr id="2" name="Content Placeholder 1"/>
           <p:cNvPicPr>
-            <a:picLocks noChangeAspect="1"/>
+            <a:picLocks noGrp="1" noChangeAspect="1"/>
           </p:cNvPicPr>
           <p:nvPr>
             <p:ph sz="half" idx="3"/>
           </p:nvPr>
         </p:nvPicPr>
         <p:blipFill>
-          <a:blip r:embed="rId3"/>
+          <a:blip r:embed="rId4"/>
           <a:stretch>
             <a:fillRect/>
           </a:stretch>
@@ -4381,7 +4508,14 @@
         <p:cNvGrpSpPr/>
         <p:nvPr/>
       </p:nvGrpSpPr>
-      <p:grpSpPr/>
+      <p:grpSpPr>
+        <a:xfrm>
+          <a:off x="0" y="0"/>
+          <a:ext cx="0" cy="0"/>
+          <a:chOff x="0" y="0"/>
+          <a:chExt cx="0" cy="0"/>
+        </a:xfrm>
+      </p:grpSpPr>
       <p:sp>
         <p:nvSpPr>
           <p:cNvPr id="7" name="Title 6"/>
@@ -4395,6 +4529,7 @@
         <p:spPr/>
         <p:txBody>
           <a:bodyPr/>
+          <a:lstStyle/>
           <a:p>
             <a:endParaRPr lang="en-US"/>
           </a:p>
@@ -4413,9 +4548,11 @@
         <p:spPr/>
         <p:txBody>
           <a:bodyPr/>
+          <a:lstStyle/>
           <a:p>
             <a:fld id="{B6F15528-21DE-4FAA-801E-634DDDAF4B2B}" type="slidenum">
               <a:rPr/>
+              <a:t>15</a:t>
             </a:fld>
             <a:endParaRPr/>
           </a:p>
@@ -4434,6 +4571,7 @@
         <p:spPr/>
         <p:txBody>
           <a:bodyPr/>
+          <a:lstStyle/>
           <a:p>
             <a:endParaRPr lang="en-US"/>
           </a:p>
@@ -4442,7 +4580,9 @@
       <p:graphicFrame>
         <p:nvGraphicFramePr>
           <p:cNvPr id="5" name="Content Placeholder 4"/>
-          <p:cNvGraphicFramePr/>
+          <p:cNvGraphicFramePr>
+            <a:graphicFrameLocks noGrp="1"/>
+          </p:cNvGraphicFramePr>
           <p:nvPr>
             <p:ph sz="half" idx="2"/>
           </p:nvPr>
@@ -4455,12 +4595,12 @@
           <a:graphicData uri="http://schemas.openxmlformats.org/presentationml/2006/ole">
             <mc:AlternateContent xmlns:mc="http://schemas.openxmlformats.org/markup-compatibility/2006">
               <mc:Choice xmlns:v="urn:schemas-microsoft-com:vml" Requires="v">
-                <p:oleObj spid="_x0000_s6" name="" r:id="rId1" imgW="10420350" imgH="5229225" progId="Paint.Picture">
+                <p:oleObj r:id="rId2" imgW="10420350" imgH="5229225" progId="Paint.Picture">
                   <p:embed/>
                 </p:oleObj>
               </mc:Choice>
               <mc:Fallback>
-                <p:oleObj name="" r:id="rId1" imgW="10420350" imgH="5229225" progId="Paint.Picture">
+                <p:oleObj r:id="rId2" imgW="10420350" imgH="5229225" progId="Paint.Picture">
                   <p:embed/>
                   <p:pic>
                     <p:nvPicPr>
@@ -4469,7 +4609,7 @@
                       <p:nvPr/>
                     </p:nvPicPr>
                     <p:blipFill>
-                      <a:blip r:embed="rId2"/>
+                      <a:blip r:embed="rId3"/>
                       <a:stretch>
                         <a:fillRect/>
                       </a:stretch>
@@ -4507,7 +4647,14 @@
         <p:cNvGrpSpPr/>
         <p:nvPr/>
       </p:nvGrpSpPr>
-      <p:grpSpPr/>
+      <p:grpSpPr>
+        <a:xfrm>
+          <a:off x="0" y="0"/>
+          <a:ext cx="0" cy="0"/>
+          <a:chOff x="0" y="0"/>
+          <a:chExt cx="0" cy="0"/>
+        </a:xfrm>
+      </p:grpSpPr>
       <p:sp>
         <p:nvSpPr>
           <p:cNvPr id="6" name="Title 5"/>
@@ -4521,6 +4668,7 @@
         <p:spPr/>
         <p:txBody>
           <a:bodyPr/>
+          <a:lstStyle/>
           <a:p>
             <a:endParaRPr lang="en-US"/>
           </a:p>
@@ -4539,9 +4687,11 @@
         <p:spPr/>
         <p:txBody>
           <a:bodyPr/>
+          <a:lstStyle/>
           <a:p>
             <a:fld id="{B6F15528-21DE-4FAA-801E-634DDDAF4B2B}" type="slidenum">
               <a:rPr/>
+              <a:t>16</a:t>
             </a:fld>
             <a:endParaRPr/>
           </a:p>
@@ -4560,6 +4710,7 @@
         <p:spPr/>
         <p:txBody>
           <a:bodyPr/>
+          <a:lstStyle/>
           <a:p>
             <a:endParaRPr lang="en-US"/>
           </a:p>
@@ -4569,14 +4720,14 @@
         <p:nvPicPr>
           <p:cNvPr id="5" name="Content Placeholder 4"/>
           <p:cNvPicPr>
-            <a:picLocks noChangeAspect="1"/>
+            <a:picLocks noGrp="1" noChangeAspect="1"/>
           </p:cNvPicPr>
           <p:nvPr>
             <p:ph sz="half" idx="2"/>
           </p:nvPr>
         </p:nvPicPr>
         <p:blipFill>
-          <a:blip r:embed="rId1"/>
+          <a:blip r:embed="rId2"/>
           <a:stretch>
             <a:fillRect/>
           </a:stretch>
@@ -4623,7 +4774,7 @@
           <p:nvPr/>
         </p:nvPicPr>
         <p:blipFill>
-          <a:blip r:embed="rId1" cstate="print"/>
+          <a:blip r:embed="rId3" cstate="print"/>
           <a:srcRect b="6444"/>
           <a:stretch>
             <a:fillRect/>
@@ -5022,7 +5173,9 @@
           <p:txBody>
             <a:bodyPr wrap="square" lIns="0" tIns="0" rIns="0" bIns="0" rtlCol="0"/>
             <a:lstStyle/>
-            <a:p/>
+            <a:p>
+              <a:endParaRPr/>
+            </a:p>
           </p:txBody>
         </p:sp>
         <p:sp>
@@ -5226,7 +5379,9 @@
           <p:txBody>
             <a:bodyPr wrap="square" lIns="0" tIns="0" rIns="0" bIns="0" rtlCol="0"/>
             <a:lstStyle/>
-            <a:p/>
+            <a:p>
+              <a:endParaRPr/>
+            </a:p>
           </p:txBody>
         </p:sp>
       </p:grpSp>
@@ -5469,9 +5624,11 @@
         <p:spPr/>
         <p:txBody>
           <a:bodyPr/>
+          <a:lstStyle/>
           <a:p>
             <a:fld id="{B6F15528-21DE-4FAA-801E-634DDDAF4B2B}" type="slidenum">
               <a:rPr/>
+              <a:t>17</a:t>
             </a:fld>
             <a:endParaRPr/>
           </a:p>
@@ -5542,7 +5699,9 @@
         <p:txBody>
           <a:bodyPr wrap="square" lIns="0" tIns="0" rIns="0" bIns="0" rtlCol="0"/>
           <a:lstStyle/>
-          <a:p/>
+          <a:p>
+            <a:endParaRPr/>
+          </a:p>
         </p:txBody>
       </p:sp>
       <p:sp>
@@ -5582,7 +5741,9 @@
         <p:txBody>
           <a:bodyPr wrap="square" lIns="0" tIns="0" rIns="0" bIns="0" rtlCol="0"/>
           <a:lstStyle/>
-          <a:p/>
+          <a:p>
+            <a:endParaRPr/>
+          </a:p>
         </p:txBody>
       </p:sp>
       <p:sp>
@@ -5643,9 +5804,11 @@
         <p:spPr/>
         <p:txBody>
           <a:bodyPr/>
+          <a:lstStyle/>
           <a:p>
             <a:fld id="{B6F15528-21DE-4FAA-801E-634DDDAF4B2B}" type="slidenum">
               <a:rPr/>
+              <a:t>18</a:t>
             </a:fld>
             <a:endParaRPr/>
           </a:p>
@@ -5716,7 +5879,9 @@
         <p:txBody>
           <a:bodyPr wrap="square" lIns="0" tIns="0" rIns="0" bIns="0" rtlCol="0"/>
           <a:lstStyle/>
-          <a:p/>
+          <a:p>
+            <a:endParaRPr/>
+          </a:p>
         </p:txBody>
       </p:sp>
       <p:sp>
@@ -5880,11 +6045,6 @@
               </a:rPr>
               <a:t>t</a:t>
             </a:r>
-            <a:endParaRPr spc="-290" dirty="0">
-              <a:solidFill>
-                <a:srgbClr val="58595B"/>
-              </a:solidFill>
-            </a:endParaRPr>
           </a:p>
         </p:txBody>
       </p:sp>
@@ -5895,7 +6055,7 @@
           <p:nvPr/>
         </p:nvPicPr>
         <p:blipFill>
-          <a:blip r:embed="rId1" cstate="print"/>
+          <a:blip r:embed="rId3" cstate="print"/>
           <a:stretch>
             <a:fillRect/>
           </a:stretch>
@@ -5923,9 +6083,11 @@
         <p:spPr/>
         <p:txBody>
           <a:bodyPr/>
+          <a:lstStyle/>
           <a:p>
             <a:fld id="{B6F15528-21DE-4FAA-801E-634DDDAF4B2B}" type="slidenum">
               <a:rPr/>
+              <a:t>19</a:t>
             </a:fld>
             <a:endParaRPr/>
           </a:p>
@@ -6033,17 +6195,7 @@
                 <a:latin typeface="Trebuchet MS" panose="020B0603020202020204"/>
                 <a:cs typeface="Trebuchet MS" panose="020B0603020202020204"/>
               </a:rPr>
-              <a:t>r</a:t>
-            </a:r>
-            <a:r>
-              <a:rPr sz="3200" spc="-114" dirty="0">
-                <a:solidFill>
-                  <a:srgbClr val="FFFFFF"/>
-                </a:solidFill>
-                <a:latin typeface="Trebuchet MS" panose="020B0603020202020204"/>
-                <a:cs typeface="Trebuchet MS" panose="020B0603020202020204"/>
-              </a:rPr>
-              <a:t>s</a:t>
+              <a:t>rs</a:t>
             </a:r>
             <a:r>
               <a:rPr sz="3200" spc="-175" dirty="0">
@@ -6186,17 +6338,7 @@
                 <a:latin typeface="Trebuchet MS" panose="020B0603020202020204"/>
                 <a:cs typeface="Trebuchet MS" panose="020B0603020202020204"/>
               </a:rPr>
-              <a:t>r</a:t>
-            </a:r>
-            <a:r>
-              <a:rPr sz="3200" spc="-114" dirty="0">
-                <a:solidFill>
-                  <a:srgbClr val="FFFFFF"/>
-                </a:solidFill>
-                <a:latin typeface="Trebuchet MS" panose="020B0603020202020204"/>
-                <a:cs typeface="Trebuchet MS" panose="020B0603020202020204"/>
-              </a:rPr>
-              <a:t>s</a:t>
+              <a:t>rs</a:t>
             </a:r>
             <a:r>
               <a:rPr sz="3200" spc="-175" dirty="0">
@@ -6354,11 +6496,6 @@
               </a:rPr>
               <a:t>s</a:t>
             </a:r>
-            <a:endParaRPr spc="-40" dirty="0">
-              <a:solidFill>
-                <a:srgbClr val="58595B"/>
-              </a:solidFill>
-            </a:endParaRPr>
           </a:p>
         </p:txBody>
       </p:sp>
@@ -6375,9 +6512,11 @@
         <p:spPr/>
         <p:txBody>
           <a:bodyPr/>
+          <a:lstStyle/>
           <a:p>
             <a:fld id="{B6F15528-21DE-4FAA-801E-634DDDAF4B2B}" type="slidenum">
               <a:rPr/>
+              <a:t>2</a:t>
             </a:fld>
             <a:endParaRPr/>
           </a:p>
@@ -6416,6 +6555,7 @@
           <a:bodyPr vert="horz" wrap="square" lIns="0" tIns="3175" rIns="0" bIns="0" rtlCol="0">
             <a:spAutoFit/>
           </a:bodyPr>
+          <a:lstStyle/>
           <a:p>
             <a:pPr>
               <a:lnSpc>
@@ -6601,7 +6741,9 @@
         <p:txBody>
           <a:bodyPr wrap="square" lIns="0" tIns="0" rIns="0" bIns="0" rtlCol="0"/>
           <a:lstStyle/>
-          <a:p/>
+          <a:p>
+            <a:endParaRPr/>
+          </a:p>
         </p:txBody>
       </p:sp>
       <p:sp>
@@ -6741,11 +6883,6 @@
               </a:rPr>
               <a:t>s</a:t>
             </a:r>
-            <a:endParaRPr spc="-40" dirty="0">
-              <a:solidFill>
-                <a:srgbClr val="58595B"/>
-              </a:solidFill>
-            </a:endParaRPr>
           </a:p>
         </p:txBody>
       </p:sp>
@@ -6756,7 +6893,7 @@
           <p:nvPr/>
         </p:nvPicPr>
         <p:blipFill>
-          <a:blip r:embed="rId1" cstate="print"/>
+          <a:blip r:embed="rId3" cstate="print"/>
           <a:stretch>
             <a:fillRect/>
           </a:stretch>
@@ -6784,9 +6921,11 @@
         <p:spPr/>
         <p:txBody>
           <a:bodyPr/>
+          <a:lstStyle/>
           <a:p>
             <a:fld id="{B6F15528-21DE-4FAA-801E-634DDDAF4B2B}" type="slidenum">
               <a:rPr/>
+              <a:t>20</a:t>
             </a:fld>
             <a:endParaRPr/>
           </a:p>
@@ -6857,7 +6996,9 @@
         <p:txBody>
           <a:bodyPr wrap="square" lIns="0" tIns="0" rIns="0" bIns="0" rtlCol="0"/>
           <a:lstStyle/>
-          <a:p/>
+          <a:p>
+            <a:endParaRPr/>
+          </a:p>
         </p:txBody>
       </p:sp>
       <p:sp>
@@ -6973,7 +7114,6 @@
               <a:rPr spc="-85" dirty="0"/>
               <a:t>ed</a:t>
             </a:r>
-            <a:endParaRPr spc="-85" dirty="0"/>
           </a:p>
         </p:txBody>
       </p:sp>
@@ -6990,9 +7130,11 @@
         <p:spPr/>
         <p:txBody>
           <a:bodyPr/>
+          <a:lstStyle/>
           <a:p>
             <a:fld id="{B6F15528-21DE-4FAA-801E-634DDDAF4B2B}" type="slidenum">
               <a:rPr/>
+              <a:t>21</a:t>
             </a:fld>
             <a:endParaRPr/>
           </a:p>
@@ -7033,7 +7175,7 @@
           <p:nvPr/>
         </p:nvPicPr>
         <p:blipFill>
-          <a:blip r:embed="rId1" cstate="print"/>
+          <a:blip r:embed="rId3" cstate="print"/>
           <a:srcRect b="5611"/>
           <a:stretch>
             <a:fillRect/>
@@ -7323,9 +7465,11 @@
         <p:spPr/>
         <p:txBody>
           <a:bodyPr/>
+          <a:lstStyle/>
           <a:p>
             <a:fld id="{B6F15528-21DE-4FAA-801E-634DDDAF4B2B}" type="slidenum">
               <a:rPr/>
+              <a:t>3</a:t>
             </a:fld>
             <a:endParaRPr/>
           </a:p>
@@ -7433,17 +7577,7 @@
                 <a:latin typeface="Trebuchet MS" panose="020B0603020202020204"/>
                 <a:cs typeface="Trebuchet MS" panose="020B0603020202020204"/>
               </a:rPr>
-              <a:t>r</a:t>
-            </a:r>
-            <a:r>
-              <a:rPr sz="3200" spc="-114" dirty="0">
-                <a:solidFill>
-                  <a:srgbClr val="FFFFFF"/>
-                </a:solidFill>
-                <a:latin typeface="Trebuchet MS" panose="020B0603020202020204"/>
-                <a:cs typeface="Trebuchet MS" panose="020B0603020202020204"/>
-              </a:rPr>
-              <a:t>s</a:t>
+              <a:t>rs</a:t>
             </a:r>
             <a:r>
               <a:rPr sz="3200" spc="-175" dirty="0">
@@ -7601,11 +7735,6 @@
               </a:rPr>
               <a:t>s</a:t>
             </a:r>
-            <a:endParaRPr spc="-40" dirty="0">
-              <a:solidFill>
-                <a:srgbClr val="58595B"/>
-              </a:solidFill>
-            </a:endParaRPr>
           </a:p>
         </p:txBody>
       </p:sp>
@@ -7778,9 +7907,11 @@
         <p:spPr/>
         <p:txBody>
           <a:bodyPr/>
+          <a:lstStyle/>
           <a:p>
             <a:fld id="{B6F15528-21DE-4FAA-801E-634DDDAF4B2B}" type="slidenum">
               <a:rPr/>
+              <a:t>4</a:t>
             </a:fld>
             <a:endParaRPr/>
           </a:p>
@@ -7808,6 +7939,7 @@
           <a:bodyPr vert="horz" wrap="square" lIns="0" tIns="3175" rIns="0" bIns="0" rtlCol="0">
             <a:spAutoFit/>
           </a:bodyPr>
+          <a:lstStyle/>
           <a:p>
             <a:pPr>
               <a:lnSpc>
@@ -7859,17 +7991,7 @@
                 <a:latin typeface="Trebuchet MS" panose="020B0603020202020204"/>
                 <a:cs typeface="Trebuchet MS" panose="020B0603020202020204"/>
               </a:rPr>
-              <a:t>r</a:t>
-            </a:r>
-            <a:r>
-              <a:rPr sz="3200" spc="-114" dirty="0">
-                <a:solidFill>
-                  <a:srgbClr val="FFFFFF"/>
-                </a:solidFill>
-                <a:latin typeface="Trebuchet MS" panose="020B0603020202020204"/>
-                <a:cs typeface="Trebuchet MS" panose="020B0603020202020204"/>
-              </a:rPr>
-              <a:t>s</a:t>
+              <a:t>rs</a:t>
             </a:r>
             <a:r>
               <a:rPr sz="3200" spc="-175" dirty="0">
@@ -7971,6 +8093,7 @@
           <a:bodyPr vert="horz" wrap="square" lIns="0" tIns="3175" rIns="0" bIns="0" rtlCol="0">
             <a:spAutoFit/>
           </a:bodyPr>
+          <a:lstStyle/>
           <a:p>
             <a:pPr>
               <a:lnSpc>
@@ -8094,13 +8217,6 @@
               </a:rPr>
               <a:t> Compat</a:t>
             </a:r>
-            <a:endParaRPr lang="en-US" sz="3200" spc="-325" dirty="0">
-              <a:solidFill>
-                <a:srgbClr val="FFFFFF"/>
-              </a:solidFill>
-              <a:latin typeface="Trebuchet MS" panose="020B0603020202020204"/>
-              <a:cs typeface="Trebuchet MS" panose="020B0603020202020204"/>
-            </a:endParaRPr>
           </a:p>
         </p:txBody>
       </p:sp>
@@ -8206,17 +8322,7 @@
                 <a:latin typeface="Trebuchet MS" panose="020B0603020202020204"/>
                 <a:cs typeface="Trebuchet MS" panose="020B0603020202020204"/>
               </a:rPr>
-              <a:t>r</a:t>
-            </a:r>
-            <a:r>
-              <a:rPr sz="3200" spc="-114" dirty="0">
-                <a:solidFill>
-                  <a:srgbClr val="FFFFFF"/>
-                </a:solidFill>
-                <a:latin typeface="Trebuchet MS" panose="020B0603020202020204"/>
-                <a:cs typeface="Trebuchet MS" panose="020B0603020202020204"/>
-              </a:rPr>
-              <a:t>s</a:t>
+              <a:t>rs</a:t>
             </a:r>
             <a:r>
               <a:rPr sz="3200" spc="-175" dirty="0">
@@ -8359,17 +8465,7 @@
                 <a:latin typeface="Trebuchet MS" panose="020B0603020202020204"/>
                 <a:cs typeface="Trebuchet MS" panose="020B0603020202020204"/>
               </a:rPr>
-              <a:t>r</a:t>
-            </a:r>
-            <a:r>
-              <a:rPr sz="3200" spc="-114" dirty="0">
-                <a:solidFill>
-                  <a:srgbClr val="FFFFFF"/>
-                </a:solidFill>
-                <a:latin typeface="Trebuchet MS" panose="020B0603020202020204"/>
-                <a:cs typeface="Trebuchet MS" panose="020B0603020202020204"/>
-              </a:rPr>
-              <a:t>s</a:t>
+              <a:t>rs</a:t>
             </a:r>
             <a:r>
               <a:rPr sz="3200" spc="-175" dirty="0">
@@ -8523,11 +8619,6 @@
               </a:rPr>
               <a:t>s</a:t>
             </a:r>
-            <a:endParaRPr spc="-40" dirty="0">
-              <a:solidFill>
-                <a:srgbClr val="58595B"/>
-              </a:solidFill>
-            </a:endParaRPr>
           </a:p>
         </p:txBody>
       </p:sp>
@@ -8620,9 +8711,11 @@
         <p:spPr/>
         <p:txBody>
           <a:bodyPr/>
+          <a:lstStyle/>
           <a:p>
             <a:fld id="{B6F15528-21DE-4FAA-801E-634DDDAF4B2B}" type="slidenum">
               <a:rPr/>
+              <a:t>5</a:t>
             </a:fld>
             <a:endParaRPr/>
           </a:p>
@@ -8661,6 +8754,7 @@
           <a:bodyPr vert="horz" wrap="square" lIns="0" tIns="3175" rIns="0" bIns="0" rtlCol="0">
             <a:spAutoFit/>
           </a:bodyPr>
+          <a:lstStyle/>
           <a:p>
             <a:pPr>
               <a:lnSpc>
@@ -8814,6 +8908,7 @@
           <a:bodyPr vert="horz" wrap="square" lIns="0" tIns="3175" rIns="0" bIns="0" rtlCol="0">
             <a:spAutoFit/>
           </a:bodyPr>
+          <a:lstStyle/>
           <a:p>
             <a:pPr>
               <a:lnSpc>
@@ -8937,13 +9032,6 @@
               </a:rPr>
               <a:t> Compat</a:t>
             </a:r>
-            <a:endParaRPr lang="en-US" sz="3200" spc="-325" dirty="0">
-              <a:solidFill>
-                <a:srgbClr val="FFFFFF"/>
-              </a:solidFill>
-              <a:latin typeface="Trebuchet MS" panose="020B0603020202020204"/>
-              <a:cs typeface="Trebuchet MS" panose="020B0603020202020204"/>
-            </a:endParaRPr>
           </a:p>
         </p:txBody>
       </p:sp>
@@ -8951,14 +9039,14 @@
         <p:nvPicPr>
           <p:cNvPr id="9" name="Content Placeholder 8"/>
           <p:cNvPicPr>
-            <a:picLocks noChangeAspect="1"/>
+            <a:picLocks noGrp="1" noChangeAspect="1"/>
           </p:cNvPicPr>
           <p:nvPr>
             <p:ph sz="half" idx="2"/>
           </p:nvPr>
         </p:nvPicPr>
         <p:blipFill>
-          <a:blip r:embed="rId1"/>
+          <a:blip r:embed="rId3"/>
           <a:stretch>
             <a:fillRect/>
           </a:stretch>
@@ -9246,7 +9334,9 @@
           <p:txBody>
             <a:bodyPr wrap="square" lIns="0" tIns="0" rIns="0" bIns="0" rtlCol="0"/>
             <a:lstStyle/>
-            <a:p/>
+            <a:p>
+              <a:endParaRPr/>
+            </a:p>
           </p:txBody>
         </p:sp>
         <p:pic>
@@ -9256,7 +9346,7 @@
             <p:nvPr/>
           </p:nvPicPr>
           <p:blipFill>
-            <a:blip r:embed="rId1" cstate="print"/>
+            <a:blip r:embed="rId3" cstate="print"/>
             <a:stretch>
               <a:fillRect/>
             </a:stretch>
@@ -9279,7 +9369,7 @@
           <p:nvPr/>
         </p:nvPicPr>
         <p:blipFill>
-          <a:blip r:embed="rId2" cstate="print"/>
+          <a:blip r:embed="rId4" cstate="print"/>
           <a:stretch>
             <a:fillRect/>
           </a:stretch>
@@ -9692,72 +9782,6 @@
       </p:sp>
       <p:sp>
         <p:nvSpPr>
-          <p:cNvPr id="7" name="object 7"/>
-          <p:cNvSpPr txBox="1"/>
-          <p:nvPr/>
-        </p:nvSpPr>
-        <p:spPr>
-          <a:xfrm>
-            <a:off x="8607432" y="5104542"/>
-            <a:ext cx="1106805" cy="594360"/>
-          </a:xfrm>
-          <a:prstGeom prst="rect">
-            <a:avLst/>
-          </a:prstGeom>
-        </p:spPr>
-        <p:txBody>
-          <a:bodyPr vert="horz" wrap="square" lIns="0" tIns="16510" rIns="0" bIns="0" rtlCol="0">
-            <a:spAutoFit/>
-          </a:bodyPr>
-          <a:lstStyle/>
-          <a:p>
-            <a:pPr marL="12700">
-              <a:lnSpc>
-                <a:spcPct val="100000"/>
-              </a:lnSpc>
-              <a:spcBef>
-                <a:spcPts val="130"/>
-              </a:spcBef>
-            </a:pPr>
-            <a:r>
-              <a:rPr sz="2600" b="1" spc="15" dirty="0">
-                <a:solidFill>
-                  <a:srgbClr val="548C94"/>
-                </a:solidFill>
-                <a:latin typeface="Verdana" panose="020B0604030504040204"/>
-                <a:cs typeface="Verdana" panose="020B0604030504040204"/>
-              </a:rPr>
-              <a:t>—</a:t>
-            </a:r>
-            <a:r>
-              <a:rPr sz="2600" b="1" spc="10" dirty="0">
-                <a:solidFill>
-                  <a:srgbClr val="548C94"/>
-                </a:solidFill>
-                <a:latin typeface="Verdana" panose="020B0604030504040204"/>
-                <a:cs typeface="Verdana" panose="020B0604030504040204"/>
-              </a:rPr>
-              <a:t> </a:t>
-            </a:r>
-            <a:r>
-              <a:rPr sz="3700" spc="130" dirty="0">
-                <a:solidFill>
-                  <a:srgbClr val="548C94"/>
-                </a:solidFill>
-                <a:latin typeface="Trebuchet MS" panose="020B0603020202020204"/>
-                <a:cs typeface="Trebuchet MS" panose="020B0603020202020204"/>
-              </a:rPr>
-              <a:t>Me</a:t>
-            </a:r>
-            <a:endParaRPr sz="3700">
-              <a:latin typeface="Trebuchet MS" panose="020B0603020202020204"/>
-              <a:cs typeface="Trebuchet MS" panose="020B0603020202020204"/>
-            </a:endParaRPr>
-          </a:p>
-        </p:txBody>
-      </p:sp>
-      <p:sp>
-        <p:nvSpPr>
           <p:cNvPr id="8" name="Slide Number Placeholder 7"/>
           <p:cNvSpPr>
             <a:spLocks noGrp="1"/>
@@ -9769,9 +9793,11 @@
         <p:spPr/>
         <p:txBody>
           <a:bodyPr/>
+          <a:lstStyle/>
           <a:p>
             <a:fld id="{B6F15528-21DE-4FAA-801E-634DDDAF4B2B}" type="slidenum">
               <a:rPr/>
+              <a:t>6</a:t>
             </a:fld>
             <a:endParaRPr/>
           </a:p>
@@ -9861,7 +9887,9 @@
           <p:txBody>
             <a:bodyPr wrap="square" lIns="0" tIns="0" rIns="0" bIns="0" rtlCol="0"/>
             <a:lstStyle/>
-            <a:p/>
+            <a:p>
+              <a:endParaRPr/>
+            </a:p>
           </p:txBody>
         </p:sp>
         <p:sp>
@@ -9908,7 +9936,9 @@
           <p:txBody>
             <a:bodyPr wrap="square" lIns="0" tIns="0" rIns="0" bIns="0" rtlCol="0"/>
             <a:lstStyle/>
-            <a:p/>
+            <a:p>
+              <a:endParaRPr/>
+            </a:p>
           </p:txBody>
         </p:sp>
         <p:pic>
@@ -9918,7 +9948,7 @@
             <p:nvPr/>
           </p:nvPicPr>
           <p:blipFill>
-            <a:blip r:embed="rId1" cstate="print"/>
+            <a:blip r:embed="rId3" cstate="print"/>
             <a:stretch>
               <a:fillRect/>
             </a:stretch>
@@ -9940,7 +9970,7 @@
             <p:nvPr/>
           </p:nvPicPr>
           <p:blipFill>
-            <a:blip r:embed="rId2" cstate="print"/>
+            <a:blip r:embed="rId4" cstate="print"/>
             <a:stretch>
               <a:fillRect/>
             </a:stretch>
@@ -10144,7 +10174,9 @@
         <p:txBody>
           <a:bodyPr wrap="square" lIns="0" tIns="0" rIns="0" bIns="0" rtlCol="0"/>
           <a:lstStyle/>
-          <a:p/>
+          <a:p>
+            <a:endParaRPr/>
+          </a:p>
         </p:txBody>
       </p:sp>
       <p:sp>
@@ -10252,7 +10284,6 @@
               <a:rPr spc="-235" dirty="0"/>
               <a:t>er</a:t>
             </a:r>
-            <a:endParaRPr spc="-235" dirty="0"/>
           </a:p>
         </p:txBody>
       </p:sp>
@@ -10269,9 +10300,11 @@
         <p:spPr/>
         <p:txBody>
           <a:bodyPr/>
+          <a:lstStyle/>
           <a:p>
             <a:fld id="{B6F15528-21DE-4FAA-801E-634DDDAF4B2B}" type="slidenum">
               <a:rPr/>
+              <a:t>7</a:t>
             </a:fld>
             <a:endParaRPr/>
           </a:p>
@@ -10361,7 +10394,9 @@
           <p:txBody>
             <a:bodyPr wrap="square" lIns="0" tIns="0" rIns="0" bIns="0" rtlCol="0"/>
             <a:lstStyle/>
-            <a:p/>
+            <a:p>
+              <a:endParaRPr/>
+            </a:p>
           </p:txBody>
         </p:sp>
         <p:sp>
@@ -10408,7 +10443,9 @@
           <p:txBody>
             <a:bodyPr wrap="square" lIns="0" tIns="0" rIns="0" bIns="0" rtlCol="0"/>
             <a:lstStyle/>
-            <a:p/>
+            <a:p>
+              <a:endParaRPr/>
+            </a:p>
           </p:txBody>
         </p:sp>
         <p:pic>
@@ -10418,7 +10455,7 @@
             <p:nvPr/>
           </p:nvPicPr>
           <p:blipFill>
-            <a:blip r:embed="rId1" cstate="print"/>
+            <a:blip r:embed="rId3" cstate="print"/>
             <a:stretch>
               <a:fillRect/>
             </a:stretch>
@@ -10440,7 +10477,7 @@
             <p:nvPr/>
           </p:nvPicPr>
           <p:blipFill>
-            <a:blip r:embed="rId2" cstate="print"/>
+            <a:blip r:embed="rId4" cstate="print"/>
             <a:stretch>
               <a:fillRect/>
             </a:stretch>
@@ -10492,7 +10529,9 @@
           <p:txBody>
             <a:bodyPr wrap="square" lIns="0" tIns="0" rIns="0" bIns="0" rtlCol="0"/>
             <a:lstStyle/>
-            <a:p/>
+            <a:p>
+              <a:endParaRPr/>
+            </a:p>
           </p:txBody>
         </p:sp>
       </p:grpSp>
@@ -10684,7 +10723,9 @@
         <p:txBody>
           <a:bodyPr wrap="square" lIns="0" tIns="0" rIns="0" bIns="0" rtlCol="0"/>
           <a:lstStyle/>
-          <a:p/>
+          <a:p>
+            <a:endParaRPr/>
+          </a:p>
         </p:txBody>
       </p:sp>
       <p:sp>
@@ -10792,7 +10833,6 @@
               <a:rPr spc="-235" dirty="0"/>
               <a:t>er</a:t>
             </a:r>
-            <a:endParaRPr spc="-235" dirty="0"/>
           </a:p>
         </p:txBody>
       </p:sp>
@@ -10809,9 +10849,11 @@
         <p:spPr/>
         <p:txBody>
           <a:bodyPr/>
+          <a:lstStyle/>
           <a:p>
             <a:fld id="{B6F15528-21DE-4FAA-801E-634DDDAF4B2B}" type="slidenum">
               <a:rPr/>
+              <a:t>8</a:t>
             </a:fld>
             <a:endParaRPr/>
           </a:p>
@@ -10901,7 +10943,9 @@
           <p:txBody>
             <a:bodyPr wrap="square" lIns="0" tIns="0" rIns="0" bIns="0" rtlCol="0"/>
             <a:lstStyle/>
-            <a:p/>
+            <a:p>
+              <a:endParaRPr/>
+            </a:p>
           </p:txBody>
         </p:sp>
         <p:sp>
@@ -10948,7 +10992,9 @@
           <p:txBody>
             <a:bodyPr wrap="square" lIns="0" tIns="0" rIns="0" bIns="0" rtlCol="0"/>
             <a:lstStyle/>
-            <a:p/>
+            <a:p>
+              <a:endParaRPr/>
+            </a:p>
           </p:txBody>
         </p:sp>
         <p:pic>
@@ -10958,7 +11004,7 @@
             <p:nvPr/>
           </p:nvPicPr>
           <p:blipFill>
-            <a:blip r:embed="rId1" cstate="print"/>
+            <a:blip r:embed="rId3" cstate="print"/>
             <a:stretch>
               <a:fillRect/>
             </a:stretch>
@@ -10980,7 +11026,7 @@
             <p:nvPr/>
           </p:nvPicPr>
           <p:blipFill>
-            <a:blip r:embed="rId2" cstate="print"/>
+            <a:blip r:embed="rId4" cstate="print"/>
             <a:stretch>
               <a:fillRect/>
             </a:stretch>
@@ -11032,7 +11078,9 @@
           <p:txBody>
             <a:bodyPr wrap="square" lIns="0" tIns="0" rIns="0" bIns="0" rtlCol="0"/>
             <a:lstStyle/>
-            <a:p/>
+            <a:p>
+              <a:endParaRPr/>
+            </a:p>
           </p:txBody>
         </p:sp>
         <p:sp>
@@ -11072,7 +11120,9 @@
           <p:txBody>
             <a:bodyPr wrap="square" lIns="0" tIns="0" rIns="0" bIns="0" rtlCol="0"/>
             <a:lstStyle/>
-            <a:p/>
+            <a:p>
+              <a:endParaRPr/>
+            </a:p>
           </p:txBody>
         </p:sp>
       </p:grpSp>
@@ -11327,7 +11377,6 @@
               <a:rPr spc="-235" dirty="0"/>
               <a:t>er</a:t>
             </a:r>
-            <a:endParaRPr spc="-235" dirty="0"/>
           </a:p>
         </p:txBody>
       </p:sp>
@@ -11344,9 +11393,11 @@
         <p:spPr/>
         <p:txBody>
           <a:bodyPr/>
+          <a:lstStyle/>
           <a:p>
             <a:fld id="{B6F15528-21DE-4FAA-801E-634DDDAF4B2B}" type="slidenum">
               <a:rPr/>
+              <a:t>9</a:t>
             </a:fld>
             <a:endParaRPr/>
           </a:p>
@@ -11641,6 +11692,8 @@
       </a:bgFillStyleLst>
     </a:fmtScheme>
   </a:themeElements>
+  <a:objectDefaults/>
+  <a:extraClrSchemeLst/>
   <a:extLst>
     <a:ext uri="{05A4C25C-085E-4340-85A3-A5531E510DB2}">
       <thm15:themeFamily xmlns:thm15="http://schemas.microsoft.com/office/thememl/2012/main" name="Office Theme" id="{62F939B6-93AF-4DB8-9C6B-D6C7DFDC589F}" vid="{4A3C46E8-61CC-4603-A589-7422A47A8E4A}"/>
@@ -11900,6 +11953,8 @@
       </a:bgFillStyleLst>
     </a:fmtScheme>
   </a:themeElements>
+  <a:objectDefaults/>
+  <a:extraClrSchemeLst/>
   <a:extLst>
     <a:ext uri="{05A4C25C-085E-4340-85A3-A5531E510DB2}">
       <thm15:themeFamily xmlns:thm15="http://schemas.microsoft.com/office/thememl/2012/main" name="Office Theme" id="{62F939B6-93AF-4DB8-9C6B-D6C7DFDC589F}" vid="{4A3C46E8-61CC-4603-A589-7422A47A8E4A}"/>

--- a/Day 8/Slides/8. The Big Picture/8-jquery-getting-started-m8-slides.pptx
+++ b/Day 8/Slides/8. The Big Picture/8-jquery-getting-started-m8-slides.pptx
@@ -225,7 +225,7 @@
           <a:p>
             <a:fld id="{3EFD42F7-718C-4B98-AAEC-167E6DDD60A7}" type="datetimeFigureOut">
               <a:rPr lang="en-US" smtClean="0"/>
-              <a:t>8/15/2023</a:t>
+              <a:t>8/17/2023</a:t>
             </a:fld>
             <a:endParaRPr lang="en-US"/>
           </a:p>
@@ -1414,7 +1414,7 @@
           <a:p>
             <a:fld id="{1D8BD707-D9CF-40AE-B4C6-C98DA3205C09}" type="datetimeFigureOut">
               <a:rPr lang="en-US"/>
-              <a:t>8/15/2023</a:t>
+              <a:t>8/17/2023</a:t>
             </a:fld>
             <a:endParaRPr lang="en-US"/>
           </a:p>
@@ -1593,7 +1593,7 @@
           <a:p>
             <a:fld id="{1D8BD707-D9CF-40AE-B4C6-C98DA3205C09}" type="datetimeFigureOut">
               <a:rPr lang="en-US"/>
-              <a:t>8/15/2023</a:t>
+              <a:t>8/17/2023</a:t>
             </a:fld>
             <a:endParaRPr lang="en-US"/>
           </a:p>
@@ -1809,7 +1809,7 @@
           <a:p>
             <a:fld id="{1D8BD707-D9CF-40AE-B4C6-C98DA3205C09}" type="datetimeFigureOut">
               <a:rPr lang="en-US"/>
-              <a:t>8/15/2023</a:t>
+              <a:t>8/17/2023</a:t>
             </a:fld>
             <a:endParaRPr lang="en-US"/>
           </a:p>
@@ -1959,7 +1959,7 @@
           <a:p>
             <a:fld id="{1D8BD707-D9CF-40AE-B4C6-C98DA3205C09}" type="datetimeFigureOut">
               <a:rPr lang="en-US"/>
-              <a:t>8/15/2023</a:t>
+              <a:t>8/17/2023</a:t>
             </a:fld>
             <a:endParaRPr lang="en-US"/>
           </a:p>
@@ -2080,7 +2080,7 @@
           <a:p>
             <a:fld id="{1D8BD707-D9CF-40AE-B4C6-C98DA3205C09}" type="datetimeFigureOut">
               <a:rPr lang="en-US"/>
-              <a:t>8/15/2023</a:t>
+              <a:t>8/17/2023</a:t>
             </a:fld>
             <a:endParaRPr lang="en-US"/>
           </a:p>
@@ -2330,7 +2330,7 @@
           <a:p>
             <a:fld id="{1D8BD707-D9CF-40AE-B4C6-C98DA3205C09}" type="datetimeFigureOut">
               <a:rPr lang="en-US"/>
-              <a:t>8/15/2023</a:t>
+              <a:t>8/17/2023</a:t>
             </a:fld>
             <a:endParaRPr lang="en-US"/>
           </a:p>
@@ -3374,7 +3374,7 @@
         </p:nvGrpSpPr>
         <p:grpSpPr>
           <a:xfrm>
-            <a:off x="0" y="0"/>
+            <a:off x="-45720" y="0"/>
             <a:ext cx="12192000" cy="6430645"/>
             <a:chOff x="0" y="0"/>
             <a:chExt cx="12192000" cy="6430645"/>
@@ -7887,7 +7887,7 @@
               </a:rPr>
               <a:t>8</a:t>
             </a:r>
-            <a:endParaRPr sz="2800">
+            <a:endParaRPr sz="2800" dirty="0">
               <a:latin typeface="Trebuchet MS" panose="020B0603020202020204"/>
               <a:cs typeface="Trebuchet MS" panose="020B0603020202020204"/>
             </a:endParaRPr>
